--- a/4조 코드 리뷰.pptx
+++ b/4조 코드 리뷰.pptx
@@ -3347,8 +3347,8 @@
         </p:nvSpPr>
         <p:spPr>
           <a:xfrm>
-            <a:off x="5403126" y="3894494"/>
-            <a:ext cx="1667444" cy="369332"/>
+            <a:off x="5401523" y="3894494"/>
+            <a:ext cx="1670650" cy="369332"/>
           </a:xfrm>
           <a:prstGeom prst="rect">
             <a:avLst/>
@@ -3363,14 +3363,14 @@
           <a:p>
             <a:pPr algn="ctr"/>
             <a:r>
-              <a:rPr lang="en-US" altLang="ko-KR" dirty="0" smtClean="0">
+              <a:rPr lang="en-US" altLang="ko-KR" dirty="0">
                 <a:solidFill>
                   <a:schemeClr val="bg1"/>
                 </a:solidFill>
                 <a:latin typeface="배달의민족 연성" panose="020B0600000101010101" pitchFamily="50" charset="-127"/>
                 <a:ea typeface="배달의민족 연성" panose="020B0600000101010101" pitchFamily="50" charset="-127"/>
               </a:rPr>
-              <a:t>2</a:t>
+              <a:t>4</a:t>
             </a:r>
             <a:r>
               <a:rPr lang="ko-KR" altLang="en-US" dirty="0" smtClean="0">
@@ -4500,13 +4500,13 @@
   <p:clrMapOvr>
     <a:masterClrMapping/>
   </p:clrMapOvr>
-  <mc:AlternateContent xmlns:mc="http://schemas.openxmlformats.org/markup-compatibility/2006">
-    <mc:Choice xmlns:p14="http://schemas.microsoft.com/office/powerpoint/2010/main" Requires="p14">
+  <mc:AlternateContent xmlns:mc="http://schemas.openxmlformats.org/markup-compatibility/2006" xmlns:p14="http://schemas.microsoft.com/office/powerpoint/2010/main">
+    <mc:Choice Requires="p14">
       <p:transition spd="slow" p14:dur="1500">
         <p14:reveal/>
       </p:transition>
     </mc:Choice>
-    <mc:Fallback>
+    <mc:Fallback xmlns="">
       <p:transition spd="slow">
         <p:fade/>
       </p:transition>
@@ -5576,13 +5576,13 @@
   <p:clrMapOvr>
     <a:masterClrMapping/>
   </p:clrMapOvr>
-  <mc:AlternateContent xmlns:mc="http://schemas.openxmlformats.org/markup-compatibility/2006">
-    <mc:Choice xmlns:p14="http://schemas.microsoft.com/office/powerpoint/2010/main" Requires="p14">
+  <mc:AlternateContent xmlns:mc="http://schemas.openxmlformats.org/markup-compatibility/2006" xmlns:p14="http://schemas.microsoft.com/office/powerpoint/2010/main">
+    <mc:Choice Requires="p14">
       <p:transition spd="slow" p14:dur="3000">
         <p14:reveal/>
       </p:transition>
     </mc:Choice>
-    <mc:Fallback>
+    <mc:Fallback xmlns="">
       <p:transition spd="slow">
         <p:fade/>
       </p:transition>
@@ -6565,13 +6565,6 @@
               </a:rPr>
               <a:t>.</a:t>
             </a:r>
-            <a:endParaRPr lang="en-US" altLang="ko-KR" sz="3200" dirty="0" smtClean="0">
-              <a:solidFill>
-                <a:schemeClr val="accent4"/>
-              </a:solidFill>
-              <a:latin typeface="배달의민족 연성" panose="020B0600000101010101" pitchFamily="50" charset="-127"/>
-              <a:ea typeface="배달의민족 연성" panose="020B0600000101010101" pitchFamily="50" charset="-127"/>
-            </a:endParaRPr>
           </a:p>
         </p:txBody>
       </p:sp>
@@ -6585,13 +6578,13 @@
   <p:clrMapOvr>
     <a:masterClrMapping/>
   </p:clrMapOvr>
-  <mc:AlternateContent xmlns:mc="http://schemas.openxmlformats.org/markup-compatibility/2006">
-    <mc:Choice xmlns:p14="http://schemas.microsoft.com/office/powerpoint/2010/main" Requires="p14">
+  <mc:AlternateContent xmlns:mc="http://schemas.openxmlformats.org/markup-compatibility/2006" xmlns:p14="http://schemas.microsoft.com/office/powerpoint/2010/main">
+    <mc:Choice Requires="p14">
       <p:transition spd="med" p14:dur="700">
         <p:fade/>
       </p:transition>
     </mc:Choice>
-    <mc:Fallback>
+    <mc:Fallback xmlns="">
       <p:transition spd="med">
         <p:fade/>
       </p:transition>
@@ -7295,17 +7288,7 @@
                   <a:latin typeface="배달의민족 연성" panose="020B0600000101010101" pitchFamily="50" charset="-127"/>
                   <a:ea typeface="배달의민족 연성" panose="020B0600000101010101" pitchFamily="50" charset="-127"/>
                 </a:rPr>
-                <a:t>이하에서는 </a:t>
-              </a:r>
-              <a:r>
-                <a:rPr lang="ko-KR" altLang="en-US" dirty="0" smtClean="0">
-                  <a:solidFill>
-                    <a:schemeClr val="accent4"/>
-                  </a:solidFill>
-                  <a:latin typeface="배달의민족 연성" panose="020B0600000101010101" pitchFamily="50" charset="-127"/>
-                  <a:ea typeface="배달의민족 연성" panose="020B0600000101010101" pitchFamily="50" charset="-127"/>
-                </a:rPr>
-                <a:t>예외 처리가 되었다</a:t>
+                <a:t>이하에서는 예외 처리가 되었다</a:t>
               </a:r>
               <a:r>
                 <a:rPr lang="en-US" altLang="ko-KR" dirty="0" smtClean="0">
@@ -7420,13 +7403,13 @@
   <p:clrMapOvr>
     <a:masterClrMapping/>
   </p:clrMapOvr>
-  <mc:AlternateContent xmlns:mc="http://schemas.openxmlformats.org/markup-compatibility/2006">
-    <mc:Choice xmlns:p14="http://schemas.microsoft.com/office/powerpoint/2010/main" Requires="p14">
+  <mc:AlternateContent xmlns:mc="http://schemas.openxmlformats.org/markup-compatibility/2006" xmlns:p14="http://schemas.microsoft.com/office/powerpoint/2010/main">
+    <mc:Choice Requires="p14">
       <p:transition spd="med" p14:dur="700">
         <p:fade/>
       </p:transition>
     </mc:Choice>
-    <mc:Fallback>
+    <mc:Fallback xmlns="">
       <p:transition spd="med">
         <p:fade/>
       </p:transition>
@@ -8661,13 +8644,13 @@
   <p:clrMapOvr>
     <a:masterClrMapping/>
   </p:clrMapOvr>
-  <mc:AlternateContent xmlns:mc="http://schemas.openxmlformats.org/markup-compatibility/2006">
-    <mc:Choice xmlns:p14="http://schemas.microsoft.com/office/powerpoint/2010/main" Requires="p14">
+  <mc:AlternateContent xmlns:mc="http://schemas.openxmlformats.org/markup-compatibility/2006" xmlns:p14="http://schemas.microsoft.com/office/powerpoint/2010/main">
+    <mc:Choice Requires="p14">
       <p:transition spd="slow" p14:dur="2500">
         <p:checker dir="vert"/>
       </p:transition>
     </mc:Choice>
-    <mc:Fallback>
+    <mc:Fallback xmlns="">
       <p:transition spd="slow">
         <p:checker dir="vert"/>
       </p:transition>
